--- a/설계참고자료V2_nr.pptx
+++ b/설계참고자료V2_nr.pptx
@@ -4954,7 +4954,7 @@
         </p:nvSpPr>
         <p:spPr>
           <a:xfrm>
-            <a:off x="245909" y="5040388"/>
+            <a:off x="245909" y="5050785"/>
             <a:ext cx="2525644" cy="308418"/>
           </a:xfrm>
           <a:prstGeom prst="rect">
@@ -5469,13 +5469,13 @@
           <p:nvPr>
             <p:extLst>
               <p:ext uri="{D42A27DB-BD31-4B8C-83A1-F6EECF244321}">
-                <p14:modId xmlns:p14="http://schemas.microsoft.com/office/powerpoint/2010/main" val="1159207442"/>
+                <p14:modId xmlns:p14="http://schemas.microsoft.com/office/powerpoint/2010/main" val="1247414111"/>
               </p:ext>
             </p:extLst>
           </p:nvPr>
         </p:nvGraphicFramePr>
         <p:xfrm>
-          <a:off x="401445" y="5405233"/>
+          <a:off x="401445" y="5415630"/>
           <a:ext cx="3546087" cy="1394460"/>
         </p:xfrm>
         <a:graphic>
@@ -6097,418 +6097,6 @@
       </p:graphicFrame>
       <p:graphicFrame>
         <p:nvGraphicFramePr>
-          <p:cNvPr id="22" name="표 21"/>
-          <p:cNvGraphicFramePr>
-            <a:graphicFrameLocks noGrp="1"/>
-          </p:cNvGraphicFramePr>
-          <p:nvPr>
-            <p:extLst>
-              <p:ext uri="{D42A27DB-BD31-4B8C-83A1-F6EECF244321}">
-                <p14:modId xmlns:p14="http://schemas.microsoft.com/office/powerpoint/2010/main" val="534184532"/>
-              </p:ext>
-            </p:extLst>
-          </p:nvPr>
-        </p:nvGraphicFramePr>
-        <p:xfrm>
-          <a:off x="401446" y="2625392"/>
-          <a:ext cx="3949508" cy="2286000"/>
-        </p:xfrm>
-        <a:graphic>
-          <a:graphicData uri="http://schemas.openxmlformats.org/drawingml/2006/table">
-            <a:tbl>
-              <a:tblPr firstRow="1" bandRow="1">
-                <a:tableStyleId>{5A111915-BE36-4E01-A7E5-04B1672EAD32}</a:tableStyleId>
-              </a:tblPr>
-              <a:tblGrid>
-                <a:gridCol w="1368000">
-                  <a:extLst>
-                    <a:ext uri="{9D8B030D-6E8A-4147-A177-3AD203B41FA5}">
-                      <a16:colId xmlns:a16="http://schemas.microsoft.com/office/drawing/2014/main" val="20000"/>
-                    </a:ext>
-                  </a:extLst>
-                </a:gridCol>
-                <a:gridCol w="1290754">
-                  <a:extLst>
-                    <a:ext uri="{9D8B030D-6E8A-4147-A177-3AD203B41FA5}">
-                      <a16:colId xmlns:a16="http://schemas.microsoft.com/office/drawing/2014/main" val="20001"/>
-                    </a:ext>
-                  </a:extLst>
-                </a:gridCol>
-                <a:gridCol w="1290754">
-                  <a:extLst>
-                    <a:ext uri="{9D8B030D-6E8A-4147-A177-3AD203B41FA5}">
-                      <a16:colId xmlns:a16="http://schemas.microsoft.com/office/drawing/2014/main" val="1930778203"/>
-                    </a:ext>
-                  </a:extLst>
-                </a:gridCol>
-              </a:tblGrid>
-              <a:tr h="262677">
-                <a:tc>
-                  <a:txBody>
-                    <a:bodyPr/>
-                    <a:lstStyle/>
-                    <a:p>
-                      <a:pPr latinLnBrk="1"/>
-                      <a:r>
-                        <a:rPr lang="ko-KR" altLang="en-US" dirty="0"/>
-                        <a:t>변수</a:t>
-                      </a:r>
-                    </a:p>
-                  </a:txBody>
-                  <a:tcPr/>
-                </a:tc>
-                <a:tc>
-                  <a:txBody>
-                    <a:bodyPr/>
-                    <a:lstStyle/>
-                    <a:p>
-                      <a:pPr latinLnBrk="1"/>
-                      <a:r>
-                        <a:rPr lang="ko-KR" altLang="en-US" dirty="0"/>
-                        <a:t>변수형</a:t>
-                      </a:r>
-                    </a:p>
-                  </a:txBody>
-                  <a:tcPr/>
-                </a:tc>
-                <a:tc>
-                  <a:txBody>
-                    <a:bodyPr/>
-                    <a:lstStyle/>
-                    <a:p>
-                      <a:pPr latinLnBrk="1"/>
-                      <a:r>
-                        <a:rPr lang="ko-KR" altLang="en-US" dirty="0"/>
-                        <a:t>기타사항</a:t>
-                      </a:r>
-                    </a:p>
-                  </a:txBody>
-                  <a:tcPr/>
-                </a:tc>
-                <a:extLst>
-                  <a:ext uri="{0D108BD9-81ED-4DB2-BD59-A6C34878D82A}">
-                    <a16:rowId xmlns:a16="http://schemas.microsoft.com/office/drawing/2014/main" val="10000"/>
-                  </a:ext>
-                </a:extLst>
-              </a:tr>
-              <a:tr h="262677">
-                <a:tc>
-                  <a:txBody>
-                    <a:bodyPr/>
-                    <a:lstStyle/>
-                    <a:p>
-                      <a:pPr latinLnBrk="1"/>
-                      <a:r>
-                        <a:rPr lang="en-US" altLang="ko-KR" dirty="0" err="1"/>
-                        <a:t>hospital_code</a:t>
-                      </a:r>
-                      <a:endParaRPr lang="ko-KR" altLang="en-US" dirty="0"/>
-                    </a:p>
-                  </a:txBody>
-                  <a:tcPr/>
-                </a:tc>
-                <a:tc>
-                  <a:txBody>
-                    <a:bodyPr/>
-                    <a:lstStyle/>
-                    <a:p>
-                      <a:pPr latinLnBrk="1"/>
-                      <a:r>
-                        <a:rPr lang="en-US" altLang="ko-KR" dirty="0" err="1"/>
-                        <a:t>int</a:t>
-                      </a:r>
-                      <a:endParaRPr lang="ko-KR" altLang="en-US" dirty="0"/>
-                    </a:p>
-                  </a:txBody>
-                  <a:tcPr/>
-                </a:tc>
-                <a:tc>
-                  <a:txBody>
-                    <a:bodyPr/>
-                    <a:lstStyle/>
-                    <a:p>
-                      <a:pPr latinLnBrk="1"/>
-                      <a:r>
-                        <a:rPr lang="en-US" altLang="ko-KR" dirty="0"/>
-                        <a:t>PRIMARY</a:t>
-                      </a:r>
-                      <a:endParaRPr lang="ko-KR" altLang="en-US" dirty="0"/>
-                    </a:p>
-                  </a:txBody>
-                  <a:tcPr/>
-                </a:tc>
-                <a:extLst>
-                  <a:ext uri="{0D108BD9-81ED-4DB2-BD59-A6C34878D82A}">
-                    <a16:rowId xmlns:a16="http://schemas.microsoft.com/office/drawing/2014/main" val="10001"/>
-                  </a:ext>
-                </a:extLst>
-              </a:tr>
-              <a:tr h="262677">
-                <a:tc>
-                  <a:txBody>
-                    <a:bodyPr/>
-                    <a:lstStyle/>
-                    <a:p>
-                      <a:pPr latinLnBrk="1"/>
-                      <a:r>
-                        <a:rPr lang="en-US" altLang="ko-KR" dirty="0" err="1"/>
-                        <a:t>hospital_name</a:t>
-                      </a:r>
-                      <a:endParaRPr lang="ko-KR" altLang="en-US" dirty="0"/>
-                    </a:p>
-                  </a:txBody>
-                  <a:tcPr/>
-                </a:tc>
-                <a:tc>
-                  <a:txBody>
-                    <a:bodyPr/>
-                    <a:lstStyle/>
-                    <a:p>
-                      <a:pPr latinLnBrk="1"/>
-                      <a:r>
-                        <a:rPr lang="en-US" altLang="ko-KR" dirty="0"/>
-                        <a:t>char[40]</a:t>
-                      </a:r>
-                      <a:endParaRPr lang="ko-KR" altLang="en-US" dirty="0"/>
-                    </a:p>
-                  </a:txBody>
-                  <a:tcPr/>
-                </a:tc>
-                <a:tc>
-                  <a:txBody>
-                    <a:bodyPr/>
-                    <a:lstStyle/>
-                    <a:p>
-                      <a:pPr latinLnBrk="1"/>
-                      <a:endParaRPr lang="ko-KR" altLang="en-US" dirty="0"/>
-                    </a:p>
-                  </a:txBody>
-                  <a:tcPr/>
-                </a:tc>
-                <a:extLst>
-                  <a:ext uri="{0D108BD9-81ED-4DB2-BD59-A6C34878D82A}">
-                    <a16:rowId xmlns:a16="http://schemas.microsoft.com/office/drawing/2014/main" val="10002"/>
-                  </a:ext>
-                </a:extLst>
-              </a:tr>
-              <a:tr h="262677">
-                <a:tc>
-                  <a:txBody>
-                    <a:bodyPr/>
-                    <a:lstStyle/>
-                    <a:p>
-                      <a:pPr latinLnBrk="1"/>
-                      <a:r>
-                        <a:rPr lang="en-US" altLang="ko-KR" dirty="0" err="1"/>
-                        <a:t>wait_total</a:t>
-                      </a:r>
-                      <a:endParaRPr lang="ko-KR" altLang="en-US" dirty="0"/>
-                    </a:p>
-                  </a:txBody>
-                  <a:tcPr/>
-                </a:tc>
-                <a:tc>
-                  <a:txBody>
-                    <a:bodyPr/>
-                    <a:lstStyle/>
-                    <a:p>
-                      <a:pPr latinLnBrk="1"/>
-                      <a:r>
-                        <a:rPr lang="en-US" altLang="ko-KR" dirty="0" err="1"/>
-                        <a:t>int</a:t>
-                      </a:r>
-                      <a:endParaRPr lang="ko-KR" altLang="en-US" dirty="0"/>
-                    </a:p>
-                  </a:txBody>
-                  <a:tcPr/>
-                </a:tc>
-                <a:tc>
-                  <a:txBody>
-                    <a:bodyPr/>
-                    <a:lstStyle/>
-                    <a:p>
-                      <a:pPr latinLnBrk="1"/>
-                      <a:r>
-                        <a:rPr lang="ko-KR" altLang="en-US" dirty="0"/>
-                        <a:t>총 </a:t>
-                      </a:r>
-                      <a:r>
-                        <a:rPr lang="ko-KR" altLang="en-US" dirty="0" err="1"/>
-                        <a:t>대기인원</a:t>
-                      </a:r>
-                      <a:endParaRPr lang="en-US" altLang="ko-KR" dirty="0"/>
-                    </a:p>
-                    <a:p>
-                      <a:pPr latinLnBrk="1"/>
-                      <a:r>
-                        <a:rPr lang="en-US" altLang="ko-KR" dirty="0"/>
-                        <a:t>default</a:t>
-                      </a:r>
-                      <a:r>
-                        <a:rPr lang="ko-KR" altLang="en-US" dirty="0"/>
-                        <a:t> </a:t>
-                      </a:r>
-                      <a:r>
-                        <a:rPr lang="en-US" altLang="ko-KR" dirty="0"/>
-                        <a:t>: 0</a:t>
-                      </a:r>
-                      <a:endParaRPr lang="ko-KR" altLang="en-US" dirty="0"/>
-                    </a:p>
-                  </a:txBody>
-                  <a:tcPr/>
-                </a:tc>
-                <a:extLst>
-                  <a:ext uri="{0D108BD9-81ED-4DB2-BD59-A6C34878D82A}">
-                    <a16:rowId xmlns:a16="http://schemas.microsoft.com/office/drawing/2014/main" val="147717651"/>
-                  </a:ext>
-                </a:extLst>
-              </a:tr>
-              <a:tr h="262677">
-                <a:tc>
-                  <a:txBody>
-                    <a:bodyPr/>
-                    <a:lstStyle/>
-                    <a:p>
-                      <a:pPr latinLnBrk="1"/>
-                      <a:r>
-                        <a:rPr lang="en-US" altLang="ko-KR" dirty="0" err="1"/>
-                        <a:t>hospital_tel</a:t>
-                      </a:r>
-                      <a:endParaRPr lang="ko-KR" altLang="en-US" dirty="0"/>
-                    </a:p>
-                  </a:txBody>
-                  <a:tcPr/>
-                </a:tc>
-                <a:tc>
-                  <a:txBody>
-                    <a:bodyPr/>
-                    <a:lstStyle/>
-                    <a:p>
-                      <a:pPr latinLnBrk="1"/>
-                      <a:r>
-                        <a:rPr lang="en-US" altLang="ko-KR" dirty="0"/>
-                        <a:t>char[15]</a:t>
-                      </a:r>
-                      <a:endParaRPr lang="ko-KR" altLang="en-US" dirty="0"/>
-                    </a:p>
-                  </a:txBody>
-                  <a:tcPr/>
-                </a:tc>
-                <a:tc>
-                  <a:txBody>
-                    <a:bodyPr/>
-                    <a:lstStyle/>
-                    <a:p>
-                      <a:pPr latinLnBrk="1"/>
-                      <a:endParaRPr lang="ko-KR" altLang="en-US" dirty="0"/>
-                    </a:p>
-                  </a:txBody>
-                  <a:tcPr/>
-                </a:tc>
-                <a:extLst>
-                  <a:ext uri="{0D108BD9-81ED-4DB2-BD59-A6C34878D82A}">
-                    <a16:rowId xmlns:a16="http://schemas.microsoft.com/office/drawing/2014/main" val="2595988959"/>
-                  </a:ext>
-                </a:extLst>
-              </a:tr>
-              <a:tr h="262677">
-                <a:tc>
-                  <a:txBody>
-                    <a:bodyPr/>
-                    <a:lstStyle/>
-                    <a:p>
-                      <a:pPr latinLnBrk="1"/>
-                      <a:r>
-                        <a:rPr lang="en-US" altLang="ko-KR" dirty="0" err="1"/>
-                        <a:t>hospital_fax</a:t>
-                      </a:r>
-                      <a:endParaRPr lang="ko-KR" altLang="en-US" dirty="0"/>
-                    </a:p>
-                  </a:txBody>
-                  <a:tcPr/>
-                </a:tc>
-                <a:tc>
-                  <a:txBody>
-                    <a:bodyPr/>
-                    <a:lstStyle/>
-                    <a:p>
-                      <a:pPr latinLnBrk="1"/>
-                      <a:r>
-                        <a:rPr lang="en-US" altLang="ko-KR" dirty="0"/>
-                        <a:t>char[15]</a:t>
-                      </a:r>
-                      <a:endParaRPr lang="ko-KR" altLang="en-US" dirty="0"/>
-                    </a:p>
-                  </a:txBody>
-                  <a:tcPr/>
-                </a:tc>
-                <a:tc>
-                  <a:txBody>
-                    <a:bodyPr/>
-                    <a:lstStyle/>
-                    <a:p>
-                      <a:pPr latinLnBrk="1"/>
-                      <a:endParaRPr lang="ko-KR" altLang="en-US" dirty="0"/>
-                    </a:p>
-                  </a:txBody>
-                  <a:tcPr/>
-                </a:tc>
-                <a:extLst>
-                  <a:ext uri="{0D108BD9-81ED-4DB2-BD59-A6C34878D82A}">
-                    <a16:rowId xmlns:a16="http://schemas.microsoft.com/office/drawing/2014/main" val="1196588457"/>
-                  </a:ext>
-                </a:extLst>
-              </a:tr>
-              <a:tr h="262677">
-                <a:tc>
-                  <a:txBody>
-                    <a:bodyPr/>
-                    <a:lstStyle/>
-                    <a:p>
-                      <a:pPr latinLnBrk="1"/>
-                      <a:r>
-                        <a:rPr lang="en-US" altLang="ko-KR" dirty="0" err="1"/>
-                        <a:t>hospital_address</a:t>
-                      </a:r>
-                      <a:endParaRPr lang="ko-KR" altLang="en-US" dirty="0"/>
-                    </a:p>
-                  </a:txBody>
-                  <a:tcPr/>
-                </a:tc>
-                <a:tc>
-                  <a:txBody>
-                    <a:bodyPr/>
-                    <a:lstStyle/>
-                    <a:p>
-                      <a:pPr latinLnBrk="1"/>
-                      <a:endParaRPr lang="ko-KR" altLang="en-US" dirty="0"/>
-                    </a:p>
-                  </a:txBody>
-                  <a:tcPr/>
-                </a:tc>
-                <a:tc>
-                  <a:txBody>
-                    <a:bodyPr/>
-                    <a:lstStyle/>
-                    <a:p>
-                      <a:pPr latinLnBrk="1"/>
-                      <a:endParaRPr lang="ko-KR" altLang="en-US" dirty="0"/>
-                    </a:p>
-                  </a:txBody>
-                  <a:tcPr/>
-                </a:tc>
-                <a:extLst>
-                  <a:ext uri="{0D108BD9-81ED-4DB2-BD59-A6C34878D82A}">
-                    <a16:rowId xmlns:a16="http://schemas.microsoft.com/office/drawing/2014/main" val="1074580706"/>
-                  </a:ext>
-                </a:extLst>
-              </a:tr>
-            </a:tbl>
-          </a:graphicData>
-        </a:graphic>
-      </p:graphicFrame>
-      <p:graphicFrame>
-        <p:nvGraphicFramePr>
           <p:cNvPr id="23" name="표 22"/>
           <p:cNvGraphicFramePr>
             <a:graphicFrameLocks noGrp="1"/>
@@ -7974,6 +7562,418 @@
           </a:p>
         </p:txBody>
       </p:sp>
+      <p:graphicFrame>
+        <p:nvGraphicFramePr>
+          <p:cNvPr id="18" name="표 17"/>
+          <p:cNvGraphicFramePr>
+            <a:graphicFrameLocks noGrp="1"/>
+          </p:cNvGraphicFramePr>
+          <p:nvPr>
+            <p:extLst>
+              <p:ext uri="{D42A27DB-BD31-4B8C-83A1-F6EECF244321}">
+                <p14:modId xmlns:p14="http://schemas.microsoft.com/office/powerpoint/2010/main" val="4120615150"/>
+              </p:ext>
+            </p:extLst>
+          </p:nvPr>
+        </p:nvGraphicFramePr>
+        <p:xfrm>
+          <a:off x="401446" y="2625392"/>
+          <a:ext cx="3949508" cy="2286000"/>
+        </p:xfrm>
+        <a:graphic>
+          <a:graphicData uri="http://schemas.openxmlformats.org/drawingml/2006/table">
+            <a:tbl>
+              <a:tblPr firstRow="1" bandRow="1">
+                <a:tableStyleId>{5A111915-BE36-4E01-A7E5-04B1672EAD32}</a:tableStyleId>
+              </a:tblPr>
+              <a:tblGrid>
+                <a:gridCol w="1368000">
+                  <a:extLst>
+                    <a:ext uri="{9D8B030D-6E8A-4147-A177-3AD203B41FA5}">
+                      <a16:colId xmlns:a16="http://schemas.microsoft.com/office/drawing/2014/main" val="20000"/>
+                    </a:ext>
+                  </a:extLst>
+                </a:gridCol>
+                <a:gridCol w="1290754">
+                  <a:extLst>
+                    <a:ext uri="{9D8B030D-6E8A-4147-A177-3AD203B41FA5}">
+                      <a16:colId xmlns:a16="http://schemas.microsoft.com/office/drawing/2014/main" val="20001"/>
+                    </a:ext>
+                  </a:extLst>
+                </a:gridCol>
+                <a:gridCol w="1290754">
+                  <a:extLst>
+                    <a:ext uri="{9D8B030D-6E8A-4147-A177-3AD203B41FA5}">
+                      <a16:colId xmlns:a16="http://schemas.microsoft.com/office/drawing/2014/main" val="1930778203"/>
+                    </a:ext>
+                  </a:extLst>
+                </a:gridCol>
+              </a:tblGrid>
+              <a:tr h="262677">
+                <a:tc>
+                  <a:txBody>
+                    <a:bodyPr/>
+                    <a:lstStyle/>
+                    <a:p>
+                      <a:pPr latinLnBrk="1"/>
+                      <a:r>
+                        <a:rPr lang="ko-KR" altLang="en-US" dirty="0"/>
+                        <a:t>변수</a:t>
+                      </a:r>
+                    </a:p>
+                  </a:txBody>
+                  <a:tcPr/>
+                </a:tc>
+                <a:tc>
+                  <a:txBody>
+                    <a:bodyPr/>
+                    <a:lstStyle/>
+                    <a:p>
+                      <a:pPr latinLnBrk="1"/>
+                      <a:r>
+                        <a:rPr lang="ko-KR" altLang="en-US" dirty="0"/>
+                        <a:t>변수형</a:t>
+                      </a:r>
+                    </a:p>
+                  </a:txBody>
+                  <a:tcPr/>
+                </a:tc>
+                <a:tc>
+                  <a:txBody>
+                    <a:bodyPr/>
+                    <a:lstStyle/>
+                    <a:p>
+                      <a:pPr latinLnBrk="1"/>
+                      <a:r>
+                        <a:rPr lang="ko-KR" altLang="en-US" dirty="0"/>
+                        <a:t>기타사항</a:t>
+                      </a:r>
+                    </a:p>
+                  </a:txBody>
+                  <a:tcPr/>
+                </a:tc>
+                <a:extLst>
+                  <a:ext uri="{0D108BD9-81ED-4DB2-BD59-A6C34878D82A}">
+                    <a16:rowId xmlns:a16="http://schemas.microsoft.com/office/drawing/2014/main" val="10000"/>
+                  </a:ext>
+                </a:extLst>
+              </a:tr>
+              <a:tr h="262677">
+                <a:tc>
+                  <a:txBody>
+                    <a:bodyPr/>
+                    <a:lstStyle/>
+                    <a:p>
+                      <a:pPr latinLnBrk="1"/>
+                      <a:r>
+                        <a:rPr lang="en-US" altLang="ko-KR" dirty="0" err="1"/>
+                        <a:t>hospital_code</a:t>
+                      </a:r>
+                      <a:endParaRPr lang="ko-KR" altLang="en-US" dirty="0"/>
+                    </a:p>
+                  </a:txBody>
+                  <a:tcPr/>
+                </a:tc>
+                <a:tc>
+                  <a:txBody>
+                    <a:bodyPr/>
+                    <a:lstStyle/>
+                    <a:p>
+                      <a:pPr latinLnBrk="1"/>
+                      <a:r>
+                        <a:rPr lang="en-US" altLang="ko-KR" dirty="0" err="1"/>
+                        <a:t>int</a:t>
+                      </a:r>
+                      <a:endParaRPr lang="ko-KR" altLang="en-US" dirty="0"/>
+                    </a:p>
+                  </a:txBody>
+                  <a:tcPr/>
+                </a:tc>
+                <a:tc>
+                  <a:txBody>
+                    <a:bodyPr/>
+                    <a:lstStyle/>
+                    <a:p>
+                      <a:pPr latinLnBrk="1"/>
+                      <a:r>
+                        <a:rPr lang="en-US" altLang="ko-KR" dirty="0"/>
+                        <a:t>PRIMARY</a:t>
+                      </a:r>
+                      <a:endParaRPr lang="ko-KR" altLang="en-US" dirty="0"/>
+                    </a:p>
+                  </a:txBody>
+                  <a:tcPr/>
+                </a:tc>
+                <a:extLst>
+                  <a:ext uri="{0D108BD9-81ED-4DB2-BD59-A6C34878D82A}">
+                    <a16:rowId xmlns:a16="http://schemas.microsoft.com/office/drawing/2014/main" val="10001"/>
+                  </a:ext>
+                </a:extLst>
+              </a:tr>
+              <a:tr h="262677">
+                <a:tc>
+                  <a:txBody>
+                    <a:bodyPr/>
+                    <a:lstStyle/>
+                    <a:p>
+                      <a:pPr latinLnBrk="1"/>
+                      <a:r>
+                        <a:rPr lang="en-US" altLang="ko-KR" dirty="0" err="1"/>
+                        <a:t>hospital_name</a:t>
+                      </a:r>
+                      <a:endParaRPr lang="ko-KR" altLang="en-US" dirty="0"/>
+                    </a:p>
+                  </a:txBody>
+                  <a:tcPr/>
+                </a:tc>
+                <a:tc>
+                  <a:txBody>
+                    <a:bodyPr/>
+                    <a:lstStyle/>
+                    <a:p>
+                      <a:pPr latinLnBrk="1"/>
+                      <a:r>
+                        <a:rPr lang="en-US" altLang="ko-KR" dirty="0"/>
+                        <a:t>char[40]</a:t>
+                      </a:r>
+                      <a:endParaRPr lang="ko-KR" altLang="en-US" dirty="0"/>
+                    </a:p>
+                  </a:txBody>
+                  <a:tcPr/>
+                </a:tc>
+                <a:tc>
+                  <a:txBody>
+                    <a:bodyPr/>
+                    <a:lstStyle/>
+                    <a:p>
+                      <a:pPr latinLnBrk="1"/>
+                      <a:endParaRPr lang="ko-KR" altLang="en-US" dirty="0"/>
+                    </a:p>
+                  </a:txBody>
+                  <a:tcPr/>
+                </a:tc>
+                <a:extLst>
+                  <a:ext uri="{0D108BD9-81ED-4DB2-BD59-A6C34878D82A}">
+                    <a16:rowId xmlns:a16="http://schemas.microsoft.com/office/drawing/2014/main" val="10002"/>
+                  </a:ext>
+                </a:extLst>
+              </a:tr>
+              <a:tr h="262677">
+                <a:tc>
+                  <a:txBody>
+                    <a:bodyPr/>
+                    <a:lstStyle/>
+                    <a:p>
+                      <a:pPr latinLnBrk="1"/>
+                      <a:r>
+                        <a:rPr lang="en-US" altLang="ko-KR" dirty="0" err="1"/>
+                        <a:t>wait_total</a:t>
+                      </a:r>
+                      <a:endParaRPr lang="ko-KR" altLang="en-US" dirty="0"/>
+                    </a:p>
+                  </a:txBody>
+                  <a:tcPr/>
+                </a:tc>
+                <a:tc>
+                  <a:txBody>
+                    <a:bodyPr/>
+                    <a:lstStyle/>
+                    <a:p>
+                      <a:pPr latinLnBrk="1"/>
+                      <a:r>
+                        <a:rPr lang="en-US" altLang="ko-KR" dirty="0" err="1"/>
+                        <a:t>int</a:t>
+                      </a:r>
+                      <a:endParaRPr lang="ko-KR" altLang="en-US" dirty="0"/>
+                    </a:p>
+                  </a:txBody>
+                  <a:tcPr/>
+                </a:tc>
+                <a:tc>
+                  <a:txBody>
+                    <a:bodyPr/>
+                    <a:lstStyle/>
+                    <a:p>
+                      <a:pPr latinLnBrk="1"/>
+                      <a:r>
+                        <a:rPr lang="ko-KR" altLang="en-US" dirty="0"/>
+                        <a:t>총 </a:t>
+                      </a:r>
+                      <a:r>
+                        <a:rPr lang="ko-KR" altLang="en-US" dirty="0" err="1"/>
+                        <a:t>대기인원</a:t>
+                      </a:r>
+                      <a:endParaRPr lang="en-US" altLang="ko-KR" dirty="0"/>
+                    </a:p>
+                    <a:p>
+                      <a:pPr latinLnBrk="1"/>
+                      <a:r>
+                        <a:rPr lang="en-US" altLang="ko-KR" dirty="0"/>
+                        <a:t>default</a:t>
+                      </a:r>
+                      <a:r>
+                        <a:rPr lang="ko-KR" altLang="en-US" dirty="0"/>
+                        <a:t> </a:t>
+                      </a:r>
+                      <a:r>
+                        <a:rPr lang="en-US" altLang="ko-KR" dirty="0"/>
+                        <a:t>: 0</a:t>
+                      </a:r>
+                      <a:endParaRPr lang="ko-KR" altLang="en-US" dirty="0"/>
+                    </a:p>
+                  </a:txBody>
+                  <a:tcPr/>
+                </a:tc>
+                <a:extLst>
+                  <a:ext uri="{0D108BD9-81ED-4DB2-BD59-A6C34878D82A}">
+                    <a16:rowId xmlns:a16="http://schemas.microsoft.com/office/drawing/2014/main" val="147717651"/>
+                  </a:ext>
+                </a:extLst>
+              </a:tr>
+              <a:tr h="262677">
+                <a:tc>
+                  <a:txBody>
+                    <a:bodyPr/>
+                    <a:lstStyle/>
+                    <a:p>
+                      <a:pPr latinLnBrk="1"/>
+                      <a:r>
+                        <a:rPr lang="en-US" altLang="ko-KR" dirty="0" err="1"/>
+                        <a:t>hospital_tel</a:t>
+                      </a:r>
+                      <a:endParaRPr lang="ko-KR" altLang="en-US" dirty="0"/>
+                    </a:p>
+                  </a:txBody>
+                  <a:tcPr/>
+                </a:tc>
+                <a:tc>
+                  <a:txBody>
+                    <a:bodyPr/>
+                    <a:lstStyle/>
+                    <a:p>
+                      <a:pPr latinLnBrk="1"/>
+                      <a:r>
+                        <a:rPr lang="en-US" altLang="ko-KR" dirty="0"/>
+                        <a:t>char[15]</a:t>
+                      </a:r>
+                      <a:endParaRPr lang="ko-KR" altLang="en-US" dirty="0"/>
+                    </a:p>
+                  </a:txBody>
+                  <a:tcPr/>
+                </a:tc>
+                <a:tc>
+                  <a:txBody>
+                    <a:bodyPr/>
+                    <a:lstStyle/>
+                    <a:p>
+                      <a:pPr latinLnBrk="1"/>
+                      <a:endParaRPr lang="ko-KR" altLang="en-US" dirty="0"/>
+                    </a:p>
+                  </a:txBody>
+                  <a:tcPr/>
+                </a:tc>
+                <a:extLst>
+                  <a:ext uri="{0D108BD9-81ED-4DB2-BD59-A6C34878D82A}">
+                    <a16:rowId xmlns:a16="http://schemas.microsoft.com/office/drawing/2014/main" val="2595988959"/>
+                  </a:ext>
+                </a:extLst>
+              </a:tr>
+              <a:tr h="262677">
+                <a:tc>
+                  <a:txBody>
+                    <a:bodyPr/>
+                    <a:lstStyle/>
+                    <a:p>
+                      <a:pPr latinLnBrk="1"/>
+                      <a:r>
+                        <a:rPr lang="en-US" altLang="ko-KR" dirty="0" err="1"/>
+                        <a:t>hospital_fax</a:t>
+                      </a:r>
+                      <a:endParaRPr lang="ko-KR" altLang="en-US" dirty="0"/>
+                    </a:p>
+                  </a:txBody>
+                  <a:tcPr/>
+                </a:tc>
+                <a:tc>
+                  <a:txBody>
+                    <a:bodyPr/>
+                    <a:lstStyle/>
+                    <a:p>
+                      <a:pPr latinLnBrk="1"/>
+                      <a:r>
+                        <a:rPr lang="en-US" altLang="ko-KR" dirty="0"/>
+                        <a:t>char[15]</a:t>
+                      </a:r>
+                      <a:endParaRPr lang="ko-KR" altLang="en-US" dirty="0"/>
+                    </a:p>
+                  </a:txBody>
+                  <a:tcPr/>
+                </a:tc>
+                <a:tc>
+                  <a:txBody>
+                    <a:bodyPr/>
+                    <a:lstStyle/>
+                    <a:p>
+                      <a:pPr latinLnBrk="1"/>
+                      <a:endParaRPr lang="ko-KR" altLang="en-US" dirty="0"/>
+                    </a:p>
+                  </a:txBody>
+                  <a:tcPr/>
+                </a:tc>
+                <a:extLst>
+                  <a:ext uri="{0D108BD9-81ED-4DB2-BD59-A6C34878D82A}">
+                    <a16:rowId xmlns:a16="http://schemas.microsoft.com/office/drawing/2014/main" val="1196588457"/>
+                  </a:ext>
+                </a:extLst>
+              </a:tr>
+              <a:tr h="262677">
+                <a:tc>
+                  <a:txBody>
+                    <a:bodyPr/>
+                    <a:lstStyle/>
+                    <a:p>
+                      <a:pPr latinLnBrk="1"/>
+                      <a:r>
+                        <a:rPr lang="en-US" altLang="ko-KR" dirty="0" err="1"/>
+                        <a:t>hospital_address</a:t>
+                      </a:r>
+                      <a:endParaRPr lang="ko-KR" altLang="en-US" dirty="0"/>
+                    </a:p>
+                  </a:txBody>
+                  <a:tcPr/>
+                </a:tc>
+                <a:tc>
+                  <a:txBody>
+                    <a:bodyPr/>
+                    <a:lstStyle/>
+                    <a:p>
+                      <a:pPr latinLnBrk="1"/>
+                      <a:endParaRPr lang="ko-KR" altLang="en-US" dirty="0"/>
+                    </a:p>
+                  </a:txBody>
+                  <a:tcPr/>
+                </a:tc>
+                <a:tc>
+                  <a:txBody>
+                    <a:bodyPr/>
+                    <a:lstStyle/>
+                    <a:p>
+                      <a:pPr latinLnBrk="1"/>
+                      <a:endParaRPr lang="ko-KR" altLang="en-US" dirty="0"/>
+                    </a:p>
+                  </a:txBody>
+                  <a:tcPr/>
+                </a:tc>
+                <a:extLst>
+                  <a:ext uri="{0D108BD9-81ED-4DB2-BD59-A6C34878D82A}">
+                    <a16:rowId xmlns:a16="http://schemas.microsoft.com/office/drawing/2014/main" val="1074580706"/>
+                  </a:ext>
+                </a:extLst>
+              </a:tr>
+            </a:tbl>
+          </a:graphicData>
+        </a:graphic>
+      </p:graphicFrame>
     </p:spTree>
     <p:extLst>
       <p:ext uri="{BB962C8B-B14F-4D97-AF65-F5344CB8AC3E}">

--- a/설계참고자료V2_nr.pptx
+++ b/설계참고자료V2_nr.pptx
@@ -10652,14 +10652,14 @@
           <p:nvPr>
             <p:extLst>
               <p:ext uri="{D42A27DB-BD31-4B8C-83A1-F6EECF244321}">
-                <p14:modId xmlns:p14="http://schemas.microsoft.com/office/powerpoint/2010/main" val="3331328187"/>
+                <p14:modId xmlns:p14="http://schemas.microsoft.com/office/powerpoint/2010/main" val="1333187391"/>
               </p:ext>
             </p:extLst>
           </p:nvPr>
         </p:nvGraphicFramePr>
         <p:xfrm>
           <a:off x="9293495" y="3737789"/>
-          <a:ext cx="4333968" cy="3111540"/>
+          <a:ext cx="4333968" cy="3820200"/>
         </p:xfrm>
         <a:graphic>
           <a:graphicData uri="http://schemas.openxmlformats.org/drawingml/2006/table">
@@ -11232,6 +11232,84 @@
                 <a:extLst>
                   <a:ext uri="{0D108BD9-81ED-4DB2-BD59-A6C34878D82A}">
                     <a16:rowId xmlns:a16="http://schemas.microsoft.com/office/drawing/2014/main" val="1818248240"/>
+                  </a:ext>
+                </a:extLst>
+              </a:tr>
+              <a:tr h="300550">
+                <a:tc>
+                  <a:txBody>
+                    <a:bodyPr/>
+                    <a:lstStyle/>
+                    <a:p>
+                      <a:pPr latinLnBrk="1"/>
+                      <a:r>
+                        <a:rPr lang="en-US" altLang="ko-KR" dirty="0" err="1"/>
+                        <a:t>pharm_code</a:t>
+                      </a:r>
+                      <a:endParaRPr lang="ko-KR" altLang="en-US" dirty="0"/>
+                    </a:p>
+                  </a:txBody>
+                  <a:tcPr>
+                    <a:noFill/>
+                  </a:tcPr>
+                </a:tc>
+                <a:tc>
+                  <a:txBody>
+                    <a:bodyPr/>
+                    <a:lstStyle/>
+                    <a:p>
+                      <a:pPr latinLnBrk="1"/>
+                      <a:r>
+                        <a:rPr lang="en-US" altLang="ko-KR" dirty="0" err="1"/>
+                        <a:t>int</a:t>
+                      </a:r>
+                      <a:endParaRPr lang="ko-KR" altLang="en-US" dirty="0"/>
+                    </a:p>
+                  </a:txBody>
+                  <a:tcPr>
+                    <a:noFill/>
+                  </a:tcPr>
+                </a:tc>
+                <a:tc>
+                  <a:txBody>
+                    <a:bodyPr/>
+                    <a:lstStyle/>
+                    <a:p>
+                      <a:pPr latinLnBrk="1"/>
+                      <a:r>
+                        <a:rPr lang="ko-KR" altLang="en-US" dirty="0"/>
+                        <a:t>기본</a:t>
+                      </a:r>
+                      <a:r>
+                        <a:rPr lang="en-US" altLang="ko-KR" dirty="0"/>
+                        <a:t>null, </a:t>
+                      </a:r>
+                      <a:r>
+                        <a:rPr lang="ko-KR" altLang="en-US" dirty="0"/>
+                        <a:t>제출시 그 </a:t>
+                      </a:r>
+                      <a:r>
+                        <a:rPr lang="ko-KR" altLang="en-US" dirty="0" err="1"/>
+                        <a:t>약국코드</a:t>
+                      </a:r>
+                      <a:r>
+                        <a:rPr lang="ko-KR" altLang="en-US" dirty="0"/>
+                        <a:t> </a:t>
+                      </a:r>
+                      <a:r>
+                        <a:rPr lang="en-US" altLang="ko-KR" dirty="0"/>
+                        <a:t>update</a:t>
+                      </a:r>
+                      <a:endParaRPr lang="ko-KR" altLang="en-US" dirty="0"/>
+                    </a:p>
+                  </a:txBody>
+                  <a:tcPr>
+                    <a:noFill/>
+                  </a:tcPr>
+                </a:tc>
+                <a:extLst>
+                  <a:ext uri="{0D108BD9-81ED-4DB2-BD59-A6C34878D82A}">
+                    <a16:rowId xmlns:a16="http://schemas.microsoft.com/office/drawing/2014/main" val="2791721253"/>
                   </a:ext>
                 </a:extLst>
               </a:tr>
@@ -12013,14 +12091,14 @@
           <p:nvPr>
             <p:extLst>
               <p:ext uri="{D42A27DB-BD31-4B8C-83A1-F6EECF244321}">
-                <p14:modId xmlns:p14="http://schemas.microsoft.com/office/powerpoint/2010/main" val="2662333084"/>
+                <p14:modId xmlns:p14="http://schemas.microsoft.com/office/powerpoint/2010/main" val="3041684395"/>
               </p:ext>
             </p:extLst>
           </p:nvPr>
         </p:nvGraphicFramePr>
         <p:xfrm>
           <a:off x="4660535" y="92140"/>
-          <a:ext cx="4333968" cy="2911020"/>
+          <a:ext cx="9159637" cy="3211570"/>
         </p:xfrm>
         <a:graphic>
           <a:graphicData uri="http://schemas.openxmlformats.org/drawingml/2006/table">
@@ -12029,21 +12107,21 @@
                 <a:tableStyleId>{5A111915-BE36-4E01-A7E5-04B1672EAD32}</a:tableStyleId>
               </a:tblPr>
               <a:tblGrid>
-                <a:gridCol w="1656000">
+                <a:gridCol w="3499878">
                   <a:extLst>
                     <a:ext uri="{9D8B030D-6E8A-4147-A177-3AD203B41FA5}">
                       <a16:colId xmlns:a16="http://schemas.microsoft.com/office/drawing/2014/main" val="20000"/>
                     </a:ext>
                   </a:extLst>
                 </a:gridCol>
-                <a:gridCol w="1129968">
+                <a:gridCol w="2388134">
                   <a:extLst>
                     <a:ext uri="{9D8B030D-6E8A-4147-A177-3AD203B41FA5}">
                       <a16:colId xmlns:a16="http://schemas.microsoft.com/office/drawing/2014/main" val="20001"/>
                     </a:ext>
                   </a:extLst>
                 </a:gridCol>
-                <a:gridCol w="1548000">
+                <a:gridCol w="3271625">
                   <a:extLst>
                     <a:ext uri="{9D8B030D-6E8A-4147-A177-3AD203B41FA5}">
                       <a16:colId xmlns:a16="http://schemas.microsoft.com/office/drawing/2014/main" val="278496055"/>
@@ -12535,6 +12613,84 @@
                 <a:extLst>
                   <a:ext uri="{0D108BD9-81ED-4DB2-BD59-A6C34878D82A}">
                     <a16:rowId xmlns:a16="http://schemas.microsoft.com/office/drawing/2014/main" val="1818248240"/>
+                  </a:ext>
+                </a:extLst>
+              </a:tr>
+              <a:tr h="300550">
+                <a:tc>
+                  <a:txBody>
+                    <a:bodyPr/>
+                    <a:lstStyle/>
+                    <a:p>
+                      <a:pPr latinLnBrk="1"/>
+                      <a:r>
+                        <a:rPr lang="en-US" altLang="ko-KR" dirty="0" err="1"/>
+                        <a:t>pharm_code</a:t>
+                      </a:r>
+                      <a:endParaRPr lang="ko-KR" altLang="en-US" dirty="0"/>
+                    </a:p>
+                  </a:txBody>
+                  <a:tcPr>
+                    <a:noFill/>
+                  </a:tcPr>
+                </a:tc>
+                <a:tc>
+                  <a:txBody>
+                    <a:bodyPr/>
+                    <a:lstStyle/>
+                    <a:p>
+                      <a:pPr latinLnBrk="1"/>
+                      <a:r>
+                        <a:rPr lang="en-US" altLang="ko-KR" dirty="0" err="1"/>
+                        <a:t>int</a:t>
+                      </a:r>
+                      <a:endParaRPr lang="ko-KR" altLang="en-US" dirty="0"/>
+                    </a:p>
+                  </a:txBody>
+                  <a:tcPr>
+                    <a:noFill/>
+                  </a:tcPr>
+                </a:tc>
+                <a:tc>
+                  <a:txBody>
+                    <a:bodyPr/>
+                    <a:lstStyle/>
+                    <a:p>
+                      <a:pPr latinLnBrk="1"/>
+                      <a:r>
+                        <a:rPr lang="ko-KR" altLang="en-US" dirty="0"/>
+                        <a:t>기본</a:t>
+                      </a:r>
+                      <a:r>
+                        <a:rPr lang="en-US" altLang="ko-KR" dirty="0"/>
+                        <a:t>null, </a:t>
+                      </a:r>
+                      <a:r>
+                        <a:rPr lang="ko-KR" altLang="en-US" dirty="0"/>
+                        <a:t>제출시 그 </a:t>
+                      </a:r>
+                      <a:r>
+                        <a:rPr lang="ko-KR" altLang="en-US" dirty="0" err="1"/>
+                        <a:t>약국코드</a:t>
+                      </a:r>
+                      <a:r>
+                        <a:rPr lang="ko-KR" altLang="en-US" dirty="0"/>
+                        <a:t> </a:t>
+                      </a:r>
+                      <a:r>
+                        <a:rPr lang="en-US" altLang="ko-KR" dirty="0"/>
+                        <a:t>update</a:t>
+                      </a:r>
+                      <a:endParaRPr lang="ko-KR" altLang="en-US" dirty="0"/>
+                    </a:p>
+                  </a:txBody>
+                  <a:tcPr>
+                    <a:noFill/>
+                  </a:tcPr>
+                </a:tc>
+                <a:extLst>
+                  <a:ext uri="{0D108BD9-81ED-4DB2-BD59-A6C34878D82A}">
+                    <a16:rowId xmlns:a16="http://schemas.microsoft.com/office/drawing/2014/main" val="2543491376"/>
                   </a:ext>
                 </a:extLst>
               </a:tr>
@@ -13088,14 +13244,14 @@
           <p:nvPr>
             <p:extLst>
               <p:ext uri="{D42A27DB-BD31-4B8C-83A1-F6EECF244321}">
-                <p14:modId xmlns:p14="http://schemas.microsoft.com/office/powerpoint/2010/main" val="1181949519"/>
+                <p14:modId xmlns:p14="http://schemas.microsoft.com/office/powerpoint/2010/main" val="1004793070"/>
               </p:ext>
             </p:extLst>
           </p:nvPr>
         </p:nvGraphicFramePr>
         <p:xfrm>
           <a:off x="4907280" y="3630210"/>
-          <a:ext cx="7660640" cy="3098800"/>
+          <a:ext cx="9814563" cy="3098800"/>
         </p:xfrm>
         <a:graphic>
           <a:graphicData uri="http://schemas.openxmlformats.org/drawingml/2006/table">
@@ -13104,62 +13260,69 @@
                 <a:tableStyleId>{17292A2E-F333-43FB-9621-5CBBE7FDCDCB}</a:tableStyleId>
               </a:tblPr>
               <a:tblGrid>
-                <a:gridCol w="957580">
+                <a:gridCol w="1090507">
                   <a:extLst>
                     <a:ext uri="{9D8B030D-6E8A-4147-A177-3AD203B41FA5}">
                       <a16:colId xmlns:a16="http://schemas.microsoft.com/office/drawing/2014/main" val="1869681185"/>
                     </a:ext>
                   </a:extLst>
                 </a:gridCol>
-                <a:gridCol w="957580">
+                <a:gridCol w="1090507">
                   <a:extLst>
                     <a:ext uri="{9D8B030D-6E8A-4147-A177-3AD203B41FA5}">
                       <a16:colId xmlns:a16="http://schemas.microsoft.com/office/drawing/2014/main" val="1647828369"/>
                     </a:ext>
                   </a:extLst>
                 </a:gridCol>
-                <a:gridCol w="957580">
+                <a:gridCol w="1090507">
                   <a:extLst>
                     <a:ext uri="{9D8B030D-6E8A-4147-A177-3AD203B41FA5}">
                       <a16:colId xmlns:a16="http://schemas.microsoft.com/office/drawing/2014/main" val="2463339181"/>
                     </a:ext>
                   </a:extLst>
                 </a:gridCol>
-                <a:gridCol w="957580">
+                <a:gridCol w="1090507">
                   <a:extLst>
                     <a:ext uri="{9D8B030D-6E8A-4147-A177-3AD203B41FA5}">
                       <a16:colId xmlns:a16="http://schemas.microsoft.com/office/drawing/2014/main" val="1749337499"/>
                     </a:ext>
                   </a:extLst>
                 </a:gridCol>
-                <a:gridCol w="957580">
+                <a:gridCol w="1090507">
                   <a:extLst>
                     <a:ext uri="{9D8B030D-6E8A-4147-A177-3AD203B41FA5}">
                       <a16:colId xmlns:a16="http://schemas.microsoft.com/office/drawing/2014/main" val="1142107149"/>
                     </a:ext>
                   </a:extLst>
                 </a:gridCol>
-                <a:gridCol w="957580">
+                <a:gridCol w="1090507">
                   <a:extLst>
                     <a:ext uri="{9D8B030D-6E8A-4147-A177-3AD203B41FA5}">
                       <a16:colId xmlns:a16="http://schemas.microsoft.com/office/drawing/2014/main" val="634120987"/>
                     </a:ext>
                   </a:extLst>
                 </a:gridCol>
-                <a:gridCol w="957580">
+                <a:gridCol w="1090507">
                   <a:extLst>
                     <a:ext uri="{9D8B030D-6E8A-4147-A177-3AD203B41FA5}">
                       <a16:colId xmlns:a16="http://schemas.microsoft.com/office/drawing/2014/main" val="341937833"/>
                     </a:ext>
                   </a:extLst>
                 </a:gridCol>
-                <a:gridCol w="957580">
+                <a:gridCol w="1090507">
                   <a:extLst>
                     <a:ext uri="{9D8B030D-6E8A-4147-A177-3AD203B41FA5}">
                       <a16:colId xmlns:a16="http://schemas.microsoft.com/office/drawing/2014/main" val="1404611196"/>
                     </a:ext>
                   </a:extLst>
                 </a:gridCol>
+                <a:gridCol w="1090507">
+                  <a:extLst>
+                    <a:ext uri="{9D8B030D-6E8A-4147-A177-3AD203B41FA5}">
+                      <a16:colId xmlns:a16="http://schemas.microsoft.com/office/drawing/2014/main" val="2219030279"/>
+                    </a:ext>
+                  </a:extLst>
+                </a:gridCol>
               </a:tblGrid>
               <a:tr h="370840">
                 <a:tc>
@@ -13276,6 +13439,21 @@
                       <a:r>
                         <a:rPr lang="en-US" altLang="ko-KR" dirty="0"/>
                         <a:t>notice</a:t>
+                      </a:r>
+                      <a:endParaRPr lang="ko-KR" altLang="en-US" dirty="0"/>
+                    </a:p>
+                  </a:txBody>
+                  <a:tcPr/>
+                </a:tc>
+                <a:tc>
+                  <a:txBody>
+                    <a:bodyPr/>
+                    <a:lstStyle/>
+                    <a:p>
+                      <a:pPr latinLnBrk="1"/>
+                      <a:r>
+                        <a:rPr lang="en-US" altLang="ko-KR" dirty="0" err="1"/>
+                        <a:t>pharm_code</a:t>
                       </a:r>
                       <a:endParaRPr lang="ko-KR" altLang="en-US" dirty="0"/>
                     </a:p>
@@ -13421,6 +13599,21 @@
                   </a:txBody>
                   <a:tcPr/>
                 </a:tc>
+                <a:tc>
+                  <a:txBody>
+                    <a:bodyPr/>
+                    <a:lstStyle/>
+                    <a:p>
+                      <a:pPr latinLnBrk="1"/>
+                      <a:r>
+                        <a:rPr lang="en-US" altLang="ko-KR" dirty="0"/>
+                        <a:t>123</a:t>
+                      </a:r>
+                      <a:endParaRPr lang="ko-KR" altLang="en-US" dirty="0"/>
+                    </a:p>
+                  </a:txBody>
+                  <a:tcPr/>
+                </a:tc>
                 <a:extLst>
                   <a:ext uri="{0D108BD9-81ED-4DB2-BD59-A6C34878D82A}">
                     <a16:rowId xmlns:a16="http://schemas.microsoft.com/office/drawing/2014/main" val="2737348417"/>
@@ -13543,6 +13736,21 @@
                   </a:txBody>
                   <a:tcPr/>
                 </a:tc>
+                <a:tc>
+                  <a:txBody>
+                    <a:bodyPr/>
+                    <a:lstStyle/>
+                    <a:p>
+                      <a:pPr latinLnBrk="1"/>
+                      <a:r>
+                        <a:rPr lang="en-US" altLang="ko-KR" dirty="0"/>
+                        <a:t>123</a:t>
+                      </a:r>
+                      <a:endParaRPr lang="ko-KR" altLang="en-US" dirty="0"/>
+                    </a:p>
+                  </a:txBody>
+                  <a:tcPr/>
+                </a:tc>
                 <a:extLst>
                   <a:ext uri="{0D108BD9-81ED-4DB2-BD59-A6C34878D82A}">
                     <a16:rowId xmlns:a16="http://schemas.microsoft.com/office/drawing/2014/main" val="4174761961"/>
@@ -13665,6 +13873,21 @@
                   </a:txBody>
                   <a:tcPr/>
                 </a:tc>
+                <a:tc>
+                  <a:txBody>
+                    <a:bodyPr/>
+                    <a:lstStyle/>
+                    <a:p>
+                      <a:pPr latinLnBrk="1"/>
+                      <a:r>
+                        <a:rPr lang="en-US" altLang="ko-KR" dirty="0"/>
+                        <a:t>123</a:t>
+                      </a:r>
+                      <a:endParaRPr lang="ko-KR" altLang="en-US" dirty="0"/>
+                    </a:p>
+                  </a:txBody>
+                  <a:tcPr/>
+                </a:tc>
                 <a:extLst>
                   <a:ext uri="{0D108BD9-81ED-4DB2-BD59-A6C34878D82A}">
                     <a16:rowId xmlns:a16="http://schemas.microsoft.com/office/drawing/2014/main" val="2685048316"/>
@@ -13787,6 +14010,21 @@
                   </a:txBody>
                   <a:tcPr/>
                 </a:tc>
+                <a:tc>
+                  <a:txBody>
+                    <a:bodyPr/>
+                    <a:lstStyle/>
+                    <a:p>
+                      <a:pPr latinLnBrk="1"/>
+                      <a:r>
+                        <a:rPr lang="en-US" altLang="ko-KR" dirty="0"/>
+                        <a:t>null</a:t>
+                      </a:r>
+                      <a:endParaRPr lang="ko-KR" altLang="en-US" dirty="0"/>
+                    </a:p>
+                  </a:txBody>
+                  <a:tcPr/>
+                </a:tc>
                 <a:extLst>
                   <a:ext uri="{0D108BD9-81ED-4DB2-BD59-A6C34878D82A}">
                     <a16:rowId xmlns:a16="http://schemas.microsoft.com/office/drawing/2014/main" val="3939677652"/>
@@ -13909,6 +14147,21 @@
                   </a:txBody>
                   <a:tcPr/>
                 </a:tc>
+                <a:tc>
+                  <a:txBody>
+                    <a:bodyPr/>
+                    <a:lstStyle/>
+                    <a:p>
+                      <a:pPr latinLnBrk="1"/>
+                      <a:r>
+                        <a:rPr lang="en-US" altLang="ko-KR" dirty="0"/>
+                        <a:t>null</a:t>
+                      </a:r>
+                      <a:endParaRPr lang="ko-KR" altLang="en-US" dirty="0"/>
+                    </a:p>
+                  </a:txBody>
+                  <a:tcPr/>
+                </a:tc>
                 <a:extLst>
                   <a:ext uri="{0D108BD9-81ED-4DB2-BD59-A6C34878D82A}">
                     <a16:rowId xmlns:a16="http://schemas.microsoft.com/office/drawing/2014/main" val="1829470554"/>
@@ -14031,6 +14284,21 @@
                   </a:txBody>
                   <a:tcPr/>
                 </a:tc>
+                <a:tc>
+                  <a:txBody>
+                    <a:bodyPr/>
+                    <a:lstStyle/>
+                    <a:p>
+                      <a:pPr latinLnBrk="1"/>
+                      <a:r>
+                        <a:rPr lang="en-US" altLang="ko-KR" dirty="0"/>
+                        <a:t>null</a:t>
+                      </a:r>
+                      <a:endParaRPr lang="ko-KR" altLang="en-US" dirty="0"/>
+                    </a:p>
+                  </a:txBody>
+                  <a:tcPr/>
+                </a:tc>
                 <a:extLst>
                   <a:ext uri="{0D108BD9-81ED-4DB2-BD59-A6C34878D82A}">
                     <a16:rowId xmlns:a16="http://schemas.microsoft.com/office/drawing/2014/main" val="2793714276"/>
@@ -14148,6 +14416,21 @@
                     <a:lstStyle/>
                     <a:p>
                       <a:pPr latinLnBrk="1"/>
+                      <a:endParaRPr lang="ko-KR" altLang="en-US" dirty="0"/>
+                    </a:p>
+                  </a:txBody>
+                  <a:tcPr/>
+                </a:tc>
+                <a:tc>
+                  <a:txBody>
+                    <a:bodyPr/>
+                    <a:lstStyle/>
+                    <a:p>
+                      <a:pPr latinLnBrk="1"/>
+                      <a:r>
+                        <a:rPr lang="en-US" altLang="ko-KR" dirty="0"/>
+                        <a:t>null</a:t>
+                      </a:r>
                       <a:endParaRPr lang="ko-KR" altLang="en-US" dirty="0"/>
                     </a:p>
                   </a:txBody>
